--- a/Luigi/Processador Uniciclo 16 bits.pptx
+++ b/Luigi/Processador Uniciclo 16 bits.pptx
@@ -16,6 +16,9 @@
     <p:sldId id="264" r:id="rId10"/>
     <p:sldId id="265" r:id="rId11"/>
     <p:sldId id="266" r:id="rId12"/>
+    <p:sldId id="267" r:id="rId13"/>
+    <p:sldId id="268" r:id="rId14"/>
+    <p:sldId id="269" r:id="rId15"/>
   </p:sldIdLst>
   <p:sldSz cx="12192000" cy="6858000"/>
   <p:notesSz cx="6858000" cy="9144000"/>
@@ -3747,7 +3750,7 @@
           <a:p>
             <a:r>
               <a:rPr lang="pt-BR" dirty="0"/>
-              <a:t>Memória ROM</a:t>
+              <a:t>Memória de instruções</a:t>
             </a:r>
           </a:p>
         </p:txBody>
@@ -3789,12 +3792,298 @@
           </a:p>
         </p:txBody>
       </p:sp>
+    </p:spTree>
+    <p:extLst>
+      <p:ext uri="{BB962C8B-B14F-4D97-AF65-F5344CB8AC3E}">
+        <p14:creationId xmlns:p14="http://schemas.microsoft.com/office/powerpoint/2010/main" val="1900628284"/>
+      </p:ext>
+    </p:extLst>
+  </p:cSld>
+  <p:clrMapOvr>
+    <a:masterClrMapping/>
+  </p:clrMapOvr>
+</p:sld>
+</file>
+
+<file path=ppt/slides/slide12.xml><?xml version="1.0" encoding="utf-8"?>
+<p:sld xmlns:a="http://schemas.openxmlformats.org/drawingml/2006/main" xmlns:r="http://schemas.openxmlformats.org/officeDocument/2006/relationships" xmlns:p="http://schemas.openxmlformats.org/presentationml/2006/main">
+  <p:cSld>
+    <p:spTree>
+      <p:nvGrpSpPr>
+        <p:cNvPr id="1" name=""/>
+        <p:cNvGrpSpPr/>
+        <p:nvPr/>
+      </p:nvGrpSpPr>
+      <p:grpSpPr>
+        <a:xfrm>
+          <a:off x="0" y="0"/>
+          <a:ext cx="0" cy="0"/>
+          <a:chOff x="0" y="0"/>
+          <a:chExt cx="0" cy="0"/>
+        </a:xfrm>
+      </p:grpSpPr>
+      <p:sp>
+        <p:nvSpPr>
+          <p:cNvPr id="2" name="Título 1">
+            <a:extLst>
+              <a:ext uri="{FF2B5EF4-FFF2-40B4-BE49-F238E27FC236}">
+                <a16:creationId xmlns:a16="http://schemas.microsoft.com/office/drawing/2014/main" id="{13D16F25-0A29-4126-8482-AD826DD08B11}"/>
+              </a:ext>
+            </a:extLst>
+          </p:cNvPr>
+          <p:cNvSpPr>
+            <a:spLocks noGrp="1"/>
+          </p:cNvSpPr>
+          <p:nvPr>
+            <p:ph type="title"/>
+          </p:nvPr>
+        </p:nvSpPr>
+        <p:spPr>
+          <a:xfrm>
+            <a:off x="648929" y="271456"/>
+            <a:ext cx="5447071" cy="1676603"/>
+          </a:xfrm>
+        </p:spPr>
+        <p:txBody>
+          <a:bodyPr>
+            <a:normAutofit/>
+          </a:bodyPr>
+          <a:lstStyle/>
+          <a:p>
+            <a:r>
+              <a:rPr lang="pt-BR" dirty="0"/>
+              <a:t>Memória ROM</a:t>
+            </a:r>
+          </a:p>
+        </p:txBody>
+      </p:sp>
+      <p:sp>
+        <p:nvSpPr>
+          <p:cNvPr id="9" name="Content Placeholder 8">
+            <a:extLst>
+              <a:ext uri="{FF2B5EF4-FFF2-40B4-BE49-F238E27FC236}">
+                <a16:creationId xmlns:a16="http://schemas.microsoft.com/office/drawing/2014/main" id="{A0E78A70-CADA-4E4F-9D3D-B4936FBCB6BE}"/>
+              </a:ext>
+            </a:extLst>
+          </p:cNvPr>
+          <p:cNvSpPr>
+            <a:spLocks noGrp="1"/>
+          </p:cNvSpPr>
+          <p:nvPr>
+            <p:ph idx="1"/>
+          </p:nvPr>
+        </p:nvSpPr>
+        <p:spPr>
+          <a:xfrm>
+            <a:off x="648931" y="1895062"/>
+            <a:ext cx="6410998" cy="4691482"/>
+          </a:xfrm>
+        </p:spPr>
+        <p:txBody>
+          <a:bodyPr>
+            <a:normAutofit/>
+          </a:bodyPr>
+          <a:lstStyle/>
+          <a:p>
+            <a:pPr marL="0" indent="0">
+              <a:spcBef>
+                <a:spcPts val="400"/>
+              </a:spcBef>
+              <a:buNone/>
+            </a:pPr>
+            <a:r>
+              <a:rPr lang="pt-BR" sz="1800" dirty="0"/>
+              <a:t>Tem a função de incrementar o PC;</a:t>
+            </a:r>
+          </a:p>
+          <a:p>
+            <a:pPr marL="0" indent="0">
+              <a:spcBef>
+                <a:spcPts val="400"/>
+              </a:spcBef>
+              <a:buNone/>
+            </a:pPr>
+            <a:endParaRPr lang="pt-BR" sz="1800" dirty="0"/>
+          </a:p>
+          <a:p>
+            <a:pPr>
+              <a:spcBef>
+                <a:spcPts val="400"/>
+              </a:spcBef>
+            </a:pPr>
+            <a:r>
+              <a:rPr lang="pt-BR" sz="1800" dirty="0"/>
+              <a:t>ENTRADA1;</a:t>
+            </a:r>
+          </a:p>
+          <a:p>
+            <a:pPr>
+              <a:spcBef>
+                <a:spcPts val="400"/>
+              </a:spcBef>
+            </a:pPr>
+            <a:r>
+              <a:rPr lang="pt-BR" sz="1800" dirty="0"/>
+              <a:t>ENTRADA2;</a:t>
+            </a:r>
+          </a:p>
+          <a:p>
+            <a:pPr>
+              <a:spcBef>
+                <a:spcPts val="400"/>
+              </a:spcBef>
+            </a:pPr>
+            <a:r>
+              <a:rPr lang="pt-BR" sz="1800" dirty="0"/>
+              <a:t>SAIDA. </a:t>
+            </a:r>
+          </a:p>
+        </p:txBody>
+      </p:sp>
+    </p:spTree>
+    <p:extLst>
+      <p:ext uri="{BB962C8B-B14F-4D97-AF65-F5344CB8AC3E}">
+        <p14:creationId xmlns:p14="http://schemas.microsoft.com/office/powerpoint/2010/main" val="4021800593"/>
+      </p:ext>
+    </p:extLst>
+  </p:cSld>
+  <p:clrMapOvr>
+    <a:masterClrMapping/>
+  </p:clrMapOvr>
+</p:sld>
+</file>
+
+<file path=ppt/slides/slide13.xml><?xml version="1.0" encoding="utf-8"?>
+<p:sld xmlns:a="http://schemas.openxmlformats.org/drawingml/2006/main" xmlns:r="http://schemas.openxmlformats.org/officeDocument/2006/relationships" xmlns:p="http://schemas.openxmlformats.org/presentationml/2006/main">
+  <p:cSld>
+    <p:spTree>
+      <p:nvGrpSpPr>
+        <p:cNvPr id="1" name=""/>
+        <p:cNvGrpSpPr/>
+        <p:nvPr/>
+      </p:nvGrpSpPr>
+      <p:grpSpPr>
+        <a:xfrm>
+          <a:off x="0" y="0"/>
+          <a:ext cx="0" cy="0"/>
+          <a:chOff x="0" y="0"/>
+          <a:chExt cx="0" cy="0"/>
+        </a:xfrm>
+      </p:grpSpPr>
+      <p:sp>
+        <p:nvSpPr>
+          <p:cNvPr id="2" name="Título 1">
+            <a:extLst>
+              <a:ext uri="{FF2B5EF4-FFF2-40B4-BE49-F238E27FC236}">
+                <a16:creationId xmlns:a16="http://schemas.microsoft.com/office/drawing/2014/main" id="{13D16F25-0A29-4126-8482-AD826DD08B11}"/>
+              </a:ext>
+            </a:extLst>
+          </p:cNvPr>
+          <p:cNvSpPr>
+            <a:spLocks noGrp="1"/>
+          </p:cNvSpPr>
+          <p:nvPr>
+            <p:ph type="title"/>
+          </p:nvPr>
+        </p:nvSpPr>
+        <p:spPr>
+          <a:xfrm>
+            <a:off x="648929" y="271456"/>
+            <a:ext cx="5447071" cy="1676603"/>
+          </a:xfrm>
+        </p:spPr>
+        <p:txBody>
+          <a:bodyPr>
+            <a:normAutofit/>
+          </a:bodyPr>
+          <a:lstStyle/>
+          <a:p>
+            <a:r>
+              <a:rPr lang="pt-BR" dirty="0"/>
+              <a:t>Multiplexador</a:t>
+            </a:r>
+          </a:p>
+        </p:txBody>
+      </p:sp>
+      <p:sp>
+        <p:nvSpPr>
+          <p:cNvPr id="9" name="Content Placeholder 8">
+            <a:extLst>
+              <a:ext uri="{FF2B5EF4-FFF2-40B4-BE49-F238E27FC236}">
+                <a16:creationId xmlns:a16="http://schemas.microsoft.com/office/drawing/2014/main" id="{A0E78A70-CADA-4E4F-9D3D-B4936FBCB6BE}"/>
+              </a:ext>
+            </a:extLst>
+          </p:cNvPr>
+          <p:cNvSpPr>
+            <a:spLocks noGrp="1"/>
+          </p:cNvSpPr>
+          <p:nvPr>
+            <p:ph idx="1"/>
+          </p:nvPr>
+        </p:nvSpPr>
+        <p:spPr>
+          <a:xfrm>
+            <a:off x="648931" y="1895062"/>
+            <a:ext cx="6410998" cy="4691482"/>
+          </a:xfrm>
+        </p:spPr>
+        <p:txBody>
+          <a:bodyPr>
+            <a:normAutofit/>
+          </a:bodyPr>
+          <a:lstStyle/>
+          <a:p>
+            <a:pPr>
+              <a:spcBef>
+                <a:spcPts val="400"/>
+              </a:spcBef>
+            </a:pPr>
+            <a:r>
+              <a:rPr lang="pt-BR" sz="1800" dirty="0"/>
+              <a:t>S: flag de entrada do componente;</a:t>
+            </a:r>
+          </a:p>
+          <a:p>
+            <a:pPr>
+              <a:spcBef>
+                <a:spcPts val="400"/>
+              </a:spcBef>
+            </a:pPr>
+            <a:r>
+              <a:rPr lang="pt-BR" sz="1800" dirty="0"/>
+              <a:t>A: primeira entrada;</a:t>
+            </a:r>
+          </a:p>
+          <a:p>
+            <a:pPr>
+              <a:spcBef>
+                <a:spcPts val="400"/>
+              </a:spcBef>
+            </a:pPr>
+            <a:r>
+              <a:rPr lang="pt-BR" sz="1800" dirty="0"/>
+              <a:t>B: segunda entrada;</a:t>
+            </a:r>
+          </a:p>
+          <a:p>
+            <a:pPr>
+              <a:spcBef>
+                <a:spcPts val="400"/>
+              </a:spcBef>
+            </a:pPr>
+            <a:r>
+              <a:rPr lang="pt-BR" sz="1800" dirty="0"/>
+              <a:t>SAIDA;</a:t>
+            </a:r>
+          </a:p>
+        </p:txBody>
+      </p:sp>
       <p:pic>
         <p:nvPicPr>
           <p:cNvPr id="6" name="Imagem 5">
             <a:extLst>
               <a:ext uri="{FF2B5EF4-FFF2-40B4-BE49-F238E27FC236}">
-                <a16:creationId xmlns:a16="http://schemas.microsoft.com/office/drawing/2014/main" id="{ECCAB226-B53A-49D7-831F-94E241550658}"/>
+                <a16:creationId xmlns:a16="http://schemas.microsoft.com/office/drawing/2014/main" id="{09E43A12-158E-492C-9182-7ABB685087F8}"/>
               </a:ext>
             </a:extLst>
           </p:cNvPr>
@@ -3815,8 +4104,8 @@
         </p:blipFill>
         <p:spPr>
           <a:xfrm>
-            <a:off x="5138056" y="2361687"/>
-            <a:ext cx="7053943" cy="2246219"/>
+            <a:off x="5426319" y="2247484"/>
+            <a:ext cx="6765681" cy="2411601"/>
           </a:xfrm>
           <a:prstGeom prst="rect">
             <a:avLst/>
@@ -3826,7 +4115,177 @@
     </p:spTree>
     <p:extLst>
       <p:ext uri="{BB962C8B-B14F-4D97-AF65-F5344CB8AC3E}">
-        <p14:creationId xmlns:p14="http://schemas.microsoft.com/office/powerpoint/2010/main" val="1900628284"/>
+        <p14:creationId xmlns:p14="http://schemas.microsoft.com/office/powerpoint/2010/main" val="350099208"/>
+      </p:ext>
+    </p:extLst>
+  </p:cSld>
+  <p:clrMapOvr>
+    <a:masterClrMapping/>
+  </p:clrMapOvr>
+</p:sld>
+</file>
+
+<file path=ppt/slides/slide14.xml><?xml version="1.0" encoding="utf-8"?>
+<p:sld xmlns:a="http://schemas.openxmlformats.org/drawingml/2006/main" xmlns:r="http://schemas.openxmlformats.org/officeDocument/2006/relationships" xmlns:p="http://schemas.openxmlformats.org/presentationml/2006/main">
+  <p:cSld>
+    <p:spTree>
+      <p:nvGrpSpPr>
+        <p:cNvPr id="1" name=""/>
+        <p:cNvGrpSpPr/>
+        <p:nvPr/>
+      </p:nvGrpSpPr>
+      <p:grpSpPr>
+        <a:xfrm>
+          <a:off x="0" y="0"/>
+          <a:ext cx="0" cy="0"/>
+          <a:chOff x="0" y="0"/>
+          <a:chExt cx="0" cy="0"/>
+        </a:xfrm>
+      </p:grpSpPr>
+      <p:sp>
+        <p:nvSpPr>
+          <p:cNvPr id="2" name="Título 1">
+            <a:extLst>
+              <a:ext uri="{FF2B5EF4-FFF2-40B4-BE49-F238E27FC236}">
+                <a16:creationId xmlns:a16="http://schemas.microsoft.com/office/drawing/2014/main" id="{13D16F25-0A29-4126-8482-AD826DD08B11}"/>
+              </a:ext>
+            </a:extLst>
+          </p:cNvPr>
+          <p:cNvSpPr>
+            <a:spLocks noGrp="1"/>
+          </p:cNvSpPr>
+          <p:nvPr>
+            <p:ph type="title"/>
+          </p:nvPr>
+        </p:nvSpPr>
+        <p:spPr>
+          <a:xfrm>
+            <a:off x="648929" y="271456"/>
+            <a:ext cx="5447071" cy="1676603"/>
+          </a:xfrm>
+        </p:spPr>
+        <p:txBody>
+          <a:bodyPr>
+            <a:normAutofit/>
+          </a:bodyPr>
+          <a:lstStyle/>
+          <a:p>
+            <a:r>
+              <a:rPr lang="pt-BR" dirty="0"/>
+              <a:t>PC</a:t>
+            </a:r>
+          </a:p>
+        </p:txBody>
+      </p:sp>
+      <p:sp>
+        <p:nvSpPr>
+          <p:cNvPr id="9" name="Content Placeholder 8">
+            <a:extLst>
+              <a:ext uri="{FF2B5EF4-FFF2-40B4-BE49-F238E27FC236}">
+                <a16:creationId xmlns:a16="http://schemas.microsoft.com/office/drawing/2014/main" id="{A0E78A70-CADA-4E4F-9D3D-B4936FBCB6BE}"/>
+              </a:ext>
+            </a:extLst>
+          </p:cNvPr>
+          <p:cNvSpPr>
+            <a:spLocks noGrp="1"/>
+          </p:cNvSpPr>
+          <p:nvPr>
+            <p:ph idx="1"/>
+          </p:nvPr>
+        </p:nvSpPr>
+        <p:spPr>
+          <a:xfrm>
+            <a:off x="648931" y="1895062"/>
+            <a:ext cx="6410998" cy="4691482"/>
+          </a:xfrm>
+        </p:spPr>
+        <p:txBody>
+          <a:bodyPr>
+            <a:normAutofit/>
+          </a:bodyPr>
+          <a:lstStyle/>
+          <a:p>
+            <a:pPr>
+              <a:spcBef>
+                <a:spcPts val="400"/>
+              </a:spcBef>
+            </a:pPr>
+            <a:r>
+              <a:rPr lang="pt-BR" sz="1800" dirty="0"/>
+              <a:t>pin;</a:t>
+            </a:r>
+          </a:p>
+          <a:p>
+            <a:pPr>
+              <a:spcBef>
+                <a:spcPts val="400"/>
+              </a:spcBef>
+            </a:pPr>
+            <a:r>
+              <a:rPr lang="pt-BR" sz="1800" dirty="0" err="1"/>
+              <a:t>clk</a:t>
+            </a:r>
+            <a:r>
+              <a:rPr lang="pt-BR" sz="1800" dirty="0"/>
+              <a:t>;</a:t>
+            </a:r>
+          </a:p>
+          <a:p>
+            <a:pPr>
+              <a:spcBef>
+                <a:spcPts val="400"/>
+              </a:spcBef>
+            </a:pPr>
+            <a:r>
+              <a:rPr lang="pt-BR" sz="1800" dirty="0" err="1"/>
+              <a:t>pout</a:t>
+            </a:r>
+            <a:r>
+              <a:rPr lang="pt-BR" sz="1800"/>
+              <a:t>.</a:t>
+            </a:r>
+            <a:endParaRPr lang="pt-BR" sz="1800" dirty="0"/>
+          </a:p>
+        </p:txBody>
+      </p:sp>
+      <p:pic>
+        <p:nvPicPr>
+          <p:cNvPr id="6" name="Imagem 5">
+            <a:extLst>
+              <a:ext uri="{FF2B5EF4-FFF2-40B4-BE49-F238E27FC236}">
+                <a16:creationId xmlns:a16="http://schemas.microsoft.com/office/drawing/2014/main" id="{5BE83791-C273-4000-B44A-3F023EA77778}"/>
+              </a:ext>
+            </a:extLst>
+          </p:cNvPr>
+          <p:cNvPicPr/>
+          <p:nvPr/>
+        </p:nvPicPr>
+        <p:blipFill>
+          <a:blip r:embed="rId2" cstate="print">
+            <a:extLst>
+              <a:ext uri="{28A0092B-C50C-407E-A947-70E740481C1C}">
+                <a14:useLocalDpi xmlns:a14="http://schemas.microsoft.com/office/drawing/2010/main" val="0"/>
+              </a:ext>
+            </a:extLst>
+          </a:blip>
+          <a:stretch>
+            <a:fillRect/>
+          </a:stretch>
+        </p:blipFill>
+        <p:spPr>
+          <a:xfrm>
+            <a:off x="5752762" y="2045990"/>
+            <a:ext cx="6439238" cy="2766020"/>
+          </a:xfrm>
+          <a:prstGeom prst="rect">
+            <a:avLst/>
+          </a:prstGeom>
+        </p:spPr>
+      </p:pic>
+    </p:spTree>
+    <p:extLst>
+      <p:ext uri="{BB962C8B-B14F-4D97-AF65-F5344CB8AC3E}">
+        <p14:creationId xmlns:p14="http://schemas.microsoft.com/office/powerpoint/2010/main" val="1609690821"/>
       </p:ext>
     </p:extLst>
   </p:cSld>

--- a/Luigi/Processador Uniciclo 16 bits.pptx
+++ b/Luigi/Processador Uniciclo 16 bits.pptx
@@ -3495,7 +3495,7 @@
           <a:p>
             <a:r>
               <a:rPr lang="pt-BR" dirty="0"/>
-              <a:t>Memória ROM</a:t>
+              <a:t>Memória de Instruções</a:t>
             </a:r>
           </a:p>
         </p:txBody>
@@ -3750,7 +3750,7 @@
           <a:p>
             <a:r>
               <a:rPr lang="pt-BR" dirty="0"/>
-              <a:t>Memória de instruções</a:t>
+              <a:t>Memória de dados</a:t>
             </a:r>
           </a:p>
         </p:txBody>
@@ -3788,10 +3788,99 @@
                 <a:spcPts val="400"/>
               </a:spcBef>
             </a:pPr>
-            <a:endParaRPr lang="pt-BR" sz="1800" dirty="0"/>
-          </a:p>
-        </p:txBody>
-      </p:sp>
+            <a:r>
+              <a:rPr lang="pt-BR" sz="1800" dirty="0"/>
+              <a:t>entrada: dado para escrita;</a:t>
+            </a:r>
+          </a:p>
+          <a:p>
+            <a:pPr>
+              <a:spcBef>
+                <a:spcPts val="400"/>
+              </a:spcBef>
+            </a:pPr>
+            <a:r>
+              <a:rPr lang="pt-BR" sz="1800" dirty="0" err="1"/>
+              <a:t>endereco</a:t>
+            </a:r>
+            <a:r>
+              <a:rPr lang="pt-BR" sz="1800" dirty="0"/>
+              <a:t>: endereço do dado de saída;</a:t>
+            </a:r>
+          </a:p>
+          <a:p>
+            <a:pPr>
+              <a:spcBef>
+                <a:spcPts val="400"/>
+              </a:spcBef>
+            </a:pPr>
+            <a:r>
+              <a:rPr lang="pt-BR" sz="1800" dirty="0"/>
+              <a:t>saída: saída de dados;</a:t>
+            </a:r>
+          </a:p>
+          <a:p>
+            <a:pPr>
+              <a:spcBef>
+                <a:spcPts val="400"/>
+              </a:spcBef>
+            </a:pPr>
+            <a:r>
+              <a:rPr lang="pt-BR" sz="1800" dirty="0" err="1"/>
+              <a:t>wr</a:t>
+            </a:r>
+            <a:r>
+              <a:rPr lang="pt-BR" sz="1800" dirty="0"/>
+              <a:t>: flag de escrita;</a:t>
+            </a:r>
+          </a:p>
+          <a:p>
+            <a:pPr>
+              <a:spcBef>
+                <a:spcPts val="400"/>
+              </a:spcBef>
+            </a:pPr>
+            <a:r>
+              <a:rPr lang="pt-BR" sz="1800" dirty="0"/>
+              <a:t>rd: flag de leitura.</a:t>
+            </a:r>
+          </a:p>
+        </p:txBody>
+      </p:sp>
+      <p:pic>
+        <p:nvPicPr>
+          <p:cNvPr id="4" name="Imagem 3">
+            <a:extLst>
+              <a:ext uri="{FF2B5EF4-FFF2-40B4-BE49-F238E27FC236}">
+                <a16:creationId xmlns:a16="http://schemas.microsoft.com/office/drawing/2014/main" id="{867ECBE5-94DD-4A9F-97CB-279CD73AED38}"/>
+              </a:ext>
+            </a:extLst>
+          </p:cNvPr>
+          <p:cNvPicPr/>
+          <p:nvPr/>
+        </p:nvPicPr>
+        <p:blipFill>
+          <a:blip r:embed="rId2" cstate="print">
+            <a:extLst>
+              <a:ext uri="{28A0092B-C50C-407E-A947-70E740481C1C}">
+                <a14:useLocalDpi xmlns:a14="http://schemas.microsoft.com/office/drawing/2010/main" val="0"/>
+              </a:ext>
+            </a:extLst>
+          </a:blip>
+          <a:stretch>
+            <a:fillRect/>
+          </a:stretch>
+        </p:blipFill>
+        <p:spPr>
+          <a:xfrm>
+            <a:off x="5718982" y="1367767"/>
+            <a:ext cx="6473018" cy="2061233"/>
+          </a:xfrm>
+          <a:prstGeom prst="rect">
+            <a:avLst/>
+          </a:prstGeom>
+        </p:spPr>
+      </p:pic>
     </p:spTree>
     <p:extLst>
       <p:ext uri="{BB962C8B-B14F-4D97-AF65-F5344CB8AC3E}">
@@ -3940,6 +4029,40 @@
           </a:p>
         </p:txBody>
       </p:sp>
+      <p:pic>
+        <p:nvPicPr>
+          <p:cNvPr id="4" name="Imagem 3">
+            <a:extLst>
+              <a:ext uri="{FF2B5EF4-FFF2-40B4-BE49-F238E27FC236}">
+                <a16:creationId xmlns:a16="http://schemas.microsoft.com/office/drawing/2014/main" id="{ECED8969-73D6-4291-99DA-9CFD712276BB}"/>
+              </a:ext>
+            </a:extLst>
+          </p:cNvPr>
+          <p:cNvPicPr/>
+          <p:nvPr/>
+        </p:nvPicPr>
+        <p:blipFill>
+          <a:blip r:embed="rId2" cstate="print">
+            <a:extLst>
+              <a:ext uri="{28A0092B-C50C-407E-A947-70E740481C1C}">
+                <a14:useLocalDpi xmlns:a14="http://schemas.microsoft.com/office/drawing/2010/main" val="0"/>
+              </a:ext>
+            </a:extLst>
+          </a:blip>
+          <a:stretch>
+            <a:fillRect/>
+          </a:stretch>
+        </p:blipFill>
+        <p:spPr>
+          <a:xfrm>
+            <a:off x="4233079" y="1544734"/>
+            <a:ext cx="7958921" cy="3121051"/>
+          </a:xfrm>
+          <a:prstGeom prst="rect">
+            <a:avLst/>
+          </a:prstGeom>
+        </p:spPr>
+      </p:pic>
     </p:spTree>
     <p:extLst>
       <p:ext uri="{BB962C8B-B14F-4D97-AF65-F5344CB8AC3E}">
